--- a/source/UXDocBot_Template.pptx
+++ b/source/UXDocBot_Template.pptx
@@ -194,7 +194,7 @@
           <a:p>
             <a:fld id="{91A423D1-B106-3A45-A23C-31EBD5EAE4C6}" type="datetimeFigureOut">
               <a:rPr lang="en-TW" smtClean="0"/>
-              <a:t>04/15/2025</a:t>
+              <a:t>07/26/2025</a:t>
             </a:fld>
             <a:endParaRPr lang="en-TW"/>
           </a:p>
@@ -718,42 +718,6 @@
           </a:p>
         </p:txBody>
       </p:sp>
-      <p:pic>
-        <p:nvPicPr>
-          <p:cNvPr id="4" name="Graphic 3">
-            <a:extLst>
-              <a:ext uri="{FF2B5EF4-FFF2-40B4-BE49-F238E27FC236}">
-                <a16:creationId xmlns:a16="http://schemas.microsoft.com/office/drawing/2014/main" id="{6E951510-57F5-FCFD-C016-E1ECFF9DBAD9}"/>
-              </a:ext>
-            </a:extLst>
-          </p:cNvPr>
-          <p:cNvPicPr>
-            <a:picLocks noChangeAspect="1"/>
-          </p:cNvPicPr>
-          <p:nvPr userDrawn="1"/>
-        </p:nvPicPr>
-        <p:blipFill>
-          <a:blip r:embed="rId3">
-            <a:extLst>
-              <a:ext uri="{96DAC541-7B7A-43D3-8B79-37D633B846F1}">
-                <asvg:svgBlip xmlns:asvg="http://schemas.microsoft.com/office/drawing/2016/SVG/main" r:embed="rId4"/>
-              </a:ext>
-            </a:extLst>
-          </a:blip>
-          <a:stretch>
-            <a:fillRect/>
-          </a:stretch>
-        </p:blipFill>
-        <p:spPr>
-          <a:xfrm>
-            <a:off x="331740" y="279822"/>
-            <a:ext cx="2015675" cy="381917"/>
-          </a:xfrm>
-          <a:prstGeom prst="rect">
-            <a:avLst/>
-          </a:prstGeom>
-        </p:spPr>
-      </p:pic>
     </p:spTree>
     <p:extLst>
       <p:ext uri="{BB962C8B-B14F-4D97-AF65-F5344CB8AC3E}">
@@ -2595,42 +2559,6 @@
       </p:grpSp>
       <p:pic>
         <p:nvPicPr>
-          <p:cNvPr id="3" name="Graphic 2">
-            <a:extLst>
-              <a:ext uri="{FF2B5EF4-FFF2-40B4-BE49-F238E27FC236}">
-                <a16:creationId xmlns:a16="http://schemas.microsoft.com/office/drawing/2014/main" id="{EC238EEF-518A-827D-4B0C-E58068B44B27}"/>
-              </a:ext>
-            </a:extLst>
-          </p:cNvPr>
-          <p:cNvPicPr>
-            <a:picLocks noChangeAspect="1"/>
-          </p:cNvPicPr>
-          <p:nvPr userDrawn="1"/>
-        </p:nvPicPr>
-        <p:blipFill>
-          <a:blip r:embed="rId2">
-            <a:extLst>
-              <a:ext uri="{96DAC541-7B7A-43D3-8B79-37D633B846F1}">
-                <asvg:svgBlip xmlns:asvg="http://schemas.microsoft.com/office/drawing/2016/SVG/main" r:embed="rId3"/>
-              </a:ext>
-            </a:extLst>
-          </a:blip>
-          <a:stretch>
-            <a:fillRect/>
-          </a:stretch>
-        </p:blipFill>
-        <p:spPr>
-          <a:xfrm>
-            <a:off x="10605063" y="338801"/>
-            <a:ext cx="1321974" cy="250479"/>
-          </a:xfrm>
-          <a:prstGeom prst="rect">
-            <a:avLst/>
-          </a:prstGeom>
-        </p:spPr>
-      </p:pic>
-      <p:pic>
-        <p:nvPicPr>
           <p:cNvPr id="4" name="Picture 3">
             <a:extLst>
               <a:ext uri="{FF2B5EF4-FFF2-40B4-BE49-F238E27FC236}">
@@ -2644,7 +2572,7 @@
           <p:nvPr userDrawn="1"/>
         </p:nvPicPr>
         <p:blipFill>
-          <a:blip r:embed="rId4"/>
+          <a:blip r:embed="rId2"/>
           <a:stretch>
             <a:fillRect/>
           </a:stretch>
@@ -4531,42 +4459,6 @@
           </p:txBody>
         </p:sp>
       </p:grpSp>
-      <p:pic>
-        <p:nvPicPr>
-          <p:cNvPr id="3" name="Graphic 2">
-            <a:extLst>
-              <a:ext uri="{FF2B5EF4-FFF2-40B4-BE49-F238E27FC236}">
-                <a16:creationId xmlns:a16="http://schemas.microsoft.com/office/drawing/2014/main" id="{EC238EEF-518A-827D-4B0C-E58068B44B27}"/>
-              </a:ext>
-            </a:extLst>
-          </p:cNvPr>
-          <p:cNvPicPr>
-            <a:picLocks noChangeAspect="1"/>
-          </p:cNvPicPr>
-          <p:nvPr userDrawn="1"/>
-        </p:nvPicPr>
-        <p:blipFill>
-          <a:blip r:embed="rId2">
-            <a:extLst>
-              <a:ext uri="{96DAC541-7B7A-43D3-8B79-37D633B846F1}">
-                <asvg:svgBlip xmlns:asvg="http://schemas.microsoft.com/office/drawing/2016/SVG/main" r:embed="rId3"/>
-              </a:ext>
-            </a:extLst>
-          </a:blip>
-          <a:stretch>
-            <a:fillRect/>
-          </a:stretch>
-        </p:blipFill>
-        <p:spPr>
-          <a:xfrm>
-            <a:off x="10605063" y="338801"/>
-            <a:ext cx="1321974" cy="250479"/>
-          </a:xfrm>
-          <a:prstGeom prst="rect">
-            <a:avLst/>
-          </a:prstGeom>
-        </p:spPr>
-      </p:pic>
     </p:spTree>
     <p:extLst>
       <p:ext uri="{BB962C8B-B14F-4D97-AF65-F5344CB8AC3E}">
